--- a/docs/apresentacao/T1-G1-Apresentacao - Final.pptx
+++ b/docs/apresentacao/T1-G1-Apresentacao - Final.pptx
@@ -5,7 +5,7 @@
     <p:sldMasterId id="2147483672" r:id="rId1"/>
   </p:sldMasterIdLst>
   <p:notesMasterIdLst>
-    <p:notesMasterId r:id="rId9"/>
+    <p:notesMasterId r:id="rId10"/>
   </p:notesMasterIdLst>
   <p:sldIdLst>
     <p:sldId id="256" r:id="rId2"/>
@@ -13,8 +13,9 @@
     <p:sldId id="282" r:id="rId4"/>
     <p:sldId id="281" r:id="rId5"/>
     <p:sldId id="287" r:id="rId6"/>
-    <p:sldId id="288" r:id="rId7"/>
-    <p:sldId id="286" r:id="rId8"/>
+    <p:sldId id="289" r:id="rId7"/>
+    <p:sldId id="288" r:id="rId8"/>
+    <p:sldId id="286" r:id="rId9"/>
   </p:sldIdLst>
   <p:sldSz cx="12192000" cy="6858000"/>
   <p:notesSz cx="6858000" cy="9144000"/>
@@ -232,7 +233,7 @@
           <a:p>
             <a:fld id="{2BDE29EE-9B87-419F-AF79-1B2A070670AC}" type="datetimeFigureOut">
               <a:rPr lang="pt-BR" smtClean="0"/>
-              <a:t>01/07/2022</a:t>
+              <a:t>05/07/2022</a:t>
             </a:fld>
             <a:endParaRPr lang="pt-BR"/>
           </a:p>
@@ -667,7 +668,7 @@
           <a:p>
             <a:fld id="{DC3F9AA5-1F73-45E6-BD6D-7E2F5AFE1A15}" type="datetimeFigureOut">
               <a:rPr lang="pt-BR" smtClean="0"/>
-              <a:t>01/07/2022</a:t>
+              <a:t>05/07/2022</a:t>
             </a:fld>
             <a:endParaRPr lang="pt-BR"/>
           </a:p>
@@ -895,7 +896,7 @@
           <a:p>
             <a:fld id="{DC3F9AA5-1F73-45E6-BD6D-7E2F5AFE1A15}" type="datetimeFigureOut">
               <a:rPr lang="pt-BR" smtClean="0"/>
-              <a:t>01/07/2022</a:t>
+              <a:t>05/07/2022</a:t>
             </a:fld>
             <a:endParaRPr lang="pt-BR"/>
           </a:p>
@@ -1075,7 +1076,7 @@
           <a:p>
             <a:fld id="{DC3F9AA5-1F73-45E6-BD6D-7E2F5AFE1A15}" type="datetimeFigureOut">
               <a:rPr lang="pt-BR" smtClean="0"/>
-              <a:t>01/07/2022</a:t>
+              <a:t>05/07/2022</a:t>
             </a:fld>
             <a:endParaRPr lang="pt-BR"/>
           </a:p>
@@ -1245,7 +1246,7 @@
           <a:p>
             <a:fld id="{DC3F9AA5-1F73-45E6-BD6D-7E2F5AFE1A15}" type="datetimeFigureOut">
               <a:rPr lang="pt-BR" smtClean="0"/>
-              <a:t>01/07/2022</a:t>
+              <a:t>05/07/2022</a:t>
             </a:fld>
             <a:endParaRPr lang="pt-BR"/>
           </a:p>
@@ -1499,7 +1500,7 @@
           <a:p>
             <a:fld id="{DC3F9AA5-1F73-45E6-BD6D-7E2F5AFE1A15}" type="datetimeFigureOut">
               <a:rPr lang="pt-BR" smtClean="0"/>
-              <a:t>01/07/2022</a:t>
+              <a:t>05/07/2022</a:t>
             </a:fld>
             <a:endParaRPr lang="pt-BR"/>
           </a:p>
@@ -1825,7 +1826,7 @@
           <a:p>
             <a:fld id="{DC3F9AA5-1F73-45E6-BD6D-7E2F5AFE1A15}" type="datetimeFigureOut">
               <a:rPr lang="pt-BR" smtClean="0"/>
-              <a:t>01/07/2022</a:t>
+              <a:t>05/07/2022</a:t>
             </a:fld>
             <a:endParaRPr lang="pt-BR"/>
           </a:p>
@@ -2276,7 +2277,7 @@
           <a:p>
             <a:fld id="{DC3F9AA5-1F73-45E6-BD6D-7E2F5AFE1A15}" type="datetimeFigureOut">
               <a:rPr lang="pt-BR" smtClean="0"/>
-              <a:t>01/07/2022</a:t>
+              <a:t>05/07/2022</a:t>
             </a:fld>
             <a:endParaRPr lang="pt-BR"/>
           </a:p>
@@ -2394,7 +2395,7 @@
           <a:p>
             <a:fld id="{DC3F9AA5-1F73-45E6-BD6D-7E2F5AFE1A15}" type="datetimeFigureOut">
               <a:rPr lang="pt-BR" smtClean="0"/>
-              <a:t>01/07/2022</a:t>
+              <a:t>05/07/2022</a:t>
             </a:fld>
             <a:endParaRPr lang="pt-BR"/>
           </a:p>
@@ -2489,7 +2490,7 @@
           <a:p>
             <a:fld id="{DC3F9AA5-1F73-45E6-BD6D-7E2F5AFE1A15}" type="datetimeFigureOut">
               <a:rPr lang="pt-BR" smtClean="0"/>
-              <a:t>01/07/2022</a:t>
+              <a:t>05/07/2022</a:t>
             </a:fld>
             <a:endParaRPr lang="pt-BR"/>
           </a:p>
@@ -2776,7 +2777,7 @@
           <a:p>
             <a:fld id="{DC3F9AA5-1F73-45E6-BD6D-7E2F5AFE1A15}" type="datetimeFigureOut">
               <a:rPr lang="pt-BR" smtClean="0"/>
-              <a:t>01/07/2022</a:t>
+              <a:t>05/07/2022</a:t>
             </a:fld>
             <a:endParaRPr lang="pt-BR"/>
           </a:p>
@@ -3098,7 +3099,7 @@
           <a:p>
             <a:fld id="{DC3F9AA5-1F73-45E6-BD6D-7E2F5AFE1A15}" type="datetimeFigureOut">
               <a:rPr lang="pt-BR" smtClean="0"/>
-              <a:t>01/07/2022</a:t>
+              <a:t>05/07/2022</a:t>
             </a:fld>
             <a:endParaRPr lang="pt-BR"/>
           </a:p>
@@ -3352,7 +3353,7 @@
           <a:p>
             <a:fld id="{DC3F9AA5-1F73-45E6-BD6D-7E2F5AFE1A15}" type="datetimeFigureOut">
               <a:rPr lang="pt-BR" smtClean="0"/>
-              <a:t>01/07/2022</a:t>
+              <a:t>05/07/2022</a:t>
             </a:fld>
             <a:endParaRPr lang="pt-BR"/>
           </a:p>
@@ -3854,19 +3855,19 @@
         </p:nvSpPr>
         <p:spPr>
           <a:xfrm>
-            <a:off x="0" y="0"/>
+            <a:off x="0" y="-1"/>
             <a:ext cx="12192000" cy="2003612"/>
           </a:xfrm>
           <a:prstGeom prst="rect">
             <a:avLst/>
           </a:prstGeom>
-          <a:effectLst>
-            <a:outerShdw blurRad="127000" dist="38100" dir="5400000" sx="101000" sy="101000" algn="t" rotWithShape="0">
-              <a:prstClr val="black">
-                <a:alpha val="44000"/>
-              </a:prstClr>
-            </a:outerShdw>
-          </a:effectLst>
+          <a:solidFill>
+            <a:srgbClr val="C73432"/>
+          </a:solidFill>
+          <a:ln>
+            <a:noFill/>
+          </a:ln>
+          <a:effectLst/>
         </p:spPr>
         <p:style>
           <a:lnRef idx="2">
@@ -3921,14 +3922,26 @@
           <a:p>
             <a:pPr algn="ctr"/>
             <a:r>
-              <a:rPr lang="pt-BR" dirty="0"/>
+              <a:rPr lang="pt-BR" dirty="0">
+                <a:solidFill>
+                  <a:schemeClr val="bg1"/>
+                </a:solidFill>
+              </a:rPr>
               <a:t>Game Exchange </a:t>
             </a:r>
             <a:br>
-              <a:rPr lang="pt-BR" dirty="0"/>
+              <a:rPr lang="pt-BR" dirty="0">
+                <a:solidFill>
+                  <a:schemeClr val="bg1"/>
+                </a:solidFill>
+              </a:rPr>
             </a:br>
             <a:r>
-              <a:rPr lang="pt-BR" dirty="0"/>
+              <a:rPr lang="pt-BR" dirty="0">
+                <a:solidFill>
+                  <a:schemeClr val="bg1"/>
+                </a:solidFill>
+              </a:rPr>
               <a:t>(serviço de troca de jogos)</a:t>
             </a:r>
           </a:p>
@@ -3952,7 +3965,7 @@
         </p:nvSpPr>
         <p:spPr>
           <a:xfrm>
-            <a:off x="7383089" y="3940175"/>
+            <a:off x="7262066" y="3913281"/>
             <a:ext cx="4230687" cy="2917825"/>
           </a:xfrm>
         </p:spPr>
@@ -3962,12 +3975,13 @@
           </a:bodyPr>
           <a:lstStyle/>
           <a:p>
-            <a:pPr lvl="0"/>
-            <a:r>
-              <a:rPr lang="pt-BR" sz="2400" b="1" dirty="0"/>
+            <a:pPr marL="0" lvl="0" indent="0">
+              <a:buNone/>
+            </a:pPr>
+            <a:r>
+              <a:rPr lang="pt-BR" sz="1900" b="1" dirty="0"/>
               <a:t>Equipe</a:t>
             </a:r>
-            <a:endParaRPr lang="pt-BR" b="1" dirty="0"/>
           </a:p>
           <a:p>
             <a:pPr marL="285750" lvl="0" indent="-285750">
@@ -3975,7 +3989,7 @@
               <a:buChar char="•"/>
             </a:pPr>
             <a:r>
-              <a:rPr lang="pt-BR" dirty="0"/>
+              <a:rPr lang="pt-BR" sz="1900" dirty="0"/>
               <a:t>Guilherme Neves Pimenta Moreira</a:t>
             </a:r>
           </a:p>
@@ -3985,15 +3999,15 @@
               <a:buChar char="•"/>
             </a:pPr>
             <a:r>
-              <a:rPr lang="pt-BR" dirty="0"/>
+              <a:rPr lang="pt-BR" sz="1900" dirty="0"/>
               <a:t>João Victor </a:t>
             </a:r>
             <a:r>
-              <a:rPr lang="pt-BR" dirty="0" err="1"/>
+              <a:rPr lang="pt-BR" sz="1900" dirty="0" err="1"/>
               <a:t>Croton</a:t>
             </a:r>
             <a:r>
-              <a:rPr lang="pt-BR" dirty="0"/>
+              <a:rPr lang="pt-BR" sz="1900" dirty="0"/>
               <a:t> Ribeiro Oliveira</a:t>
             </a:r>
           </a:p>
@@ -4003,7 +4017,7 @@
               <a:buChar char="•"/>
             </a:pPr>
             <a:r>
-              <a:rPr lang="pt-BR" dirty="0"/>
+              <a:rPr lang="pt-BR" sz="1900" dirty="0"/>
               <a:t>Lucas Camarino Emerick de Almeida</a:t>
             </a:r>
           </a:p>
@@ -4013,7 +4027,7 @@
               <a:buChar char="•"/>
             </a:pPr>
             <a:r>
-              <a:rPr lang="pt-BR" dirty="0"/>
+              <a:rPr lang="pt-BR" sz="1900" dirty="0"/>
               <a:t>Lucca Rafael Costa Resende</a:t>
             </a:r>
           </a:p>
@@ -4023,7 +4037,7 @@
               <a:buChar char="•"/>
             </a:pPr>
             <a:r>
-              <a:rPr lang="pt-BR" dirty="0"/>
+              <a:rPr lang="pt-BR" sz="1900" dirty="0"/>
               <a:t>Túlio Brant Silva Guerra</a:t>
             </a:r>
           </a:p>
@@ -4033,7 +4047,7 @@
               <a:buChar char="•"/>
             </a:pPr>
             <a:r>
-              <a:rPr lang="pt-BR" dirty="0"/>
+              <a:rPr lang="pt-BR" sz="1900" dirty="0"/>
               <a:t>Yuri Cristian Rodrigues de Souza</a:t>
             </a:r>
           </a:p>
@@ -4115,74 +4129,12 @@
           <a:chExt cx="0" cy="0"/>
         </a:xfrm>
       </p:grpSpPr>
-      <p:sp>
-        <p:nvSpPr>
-          <p:cNvPr id="2" name="Título 1">
+      <p:pic>
+        <p:nvPicPr>
+          <p:cNvPr id="5" name="Imagem 4">
             <a:extLst>
               <a:ext uri="{FF2B5EF4-FFF2-40B4-BE49-F238E27FC236}">
-                <a16:creationId xmlns:a16="http://schemas.microsoft.com/office/drawing/2014/main" id="{7A22F98D-FD6D-43DB-953D-F1E5FA74DA8C}"/>
-              </a:ext>
-            </a:extLst>
-          </p:cNvPr>
-          <p:cNvSpPr>
-            <a:spLocks noGrp="1"/>
-          </p:cNvSpPr>
-          <p:nvPr>
-            <p:ph type="title"/>
-          </p:nvPr>
-        </p:nvSpPr>
-        <p:spPr/>
-        <p:txBody>
-          <a:bodyPr/>
-          <a:lstStyle/>
-          <a:p>
-            <a:r>
-              <a:rPr lang="pt-BR" dirty="0"/>
-              <a:t>Contexto Do Problema</a:t>
-            </a:r>
-          </a:p>
-        </p:txBody>
-      </p:sp>
-      <p:sp>
-        <p:nvSpPr>
-          <p:cNvPr id="3" name="Espaço Reservado para Conteúdo 2">
-            <a:extLst>
-              <a:ext uri="{FF2B5EF4-FFF2-40B4-BE49-F238E27FC236}">
-                <a16:creationId xmlns:a16="http://schemas.microsoft.com/office/drawing/2014/main" id="{F5628DC4-D061-4B4E-86C3-0E836CBA65C7}"/>
-              </a:ext>
-            </a:extLst>
-          </p:cNvPr>
-          <p:cNvSpPr>
-            <a:spLocks noGrp="1"/>
-          </p:cNvSpPr>
-          <p:nvPr>
-            <p:ph idx="1"/>
-          </p:nvPr>
-        </p:nvSpPr>
-        <p:spPr/>
-        <p:txBody>
-          <a:bodyPr/>
-          <a:lstStyle/>
-          <a:p>
-            <a:r>
-              <a:rPr lang="pt-BR" dirty="0"/>
-              <a:t>O problema central do tema é o crescente preço dos jogos eletrônicos na atualidade e como isso afeta os seus consumidores</a:t>
-            </a:r>
-          </a:p>
-          <a:p>
-            <a:r>
-              <a:rPr lang="pt-BR" dirty="0"/>
-              <a:t>A cada ano, o consumidor de jogos eletrônicos percebe um reajuste no preço dos games, um reajuste sempre negativo para os mesmos. Se a experiência vale tanto a pena há de haver um meio que todos possam desfrutá-la.</a:t>
-            </a:r>
-          </a:p>
-        </p:txBody>
-      </p:sp>
-      <p:pic>
-        <p:nvPicPr>
-          <p:cNvPr id="10" name="Imagem 9">
-            <a:extLst>
-              <a:ext uri="{FF2B5EF4-FFF2-40B4-BE49-F238E27FC236}">
-                <a16:creationId xmlns:a16="http://schemas.microsoft.com/office/drawing/2014/main" id="{B2CF0733-2BA5-49BE-8438-131341ACE2BB}"/>
+                <a16:creationId xmlns:a16="http://schemas.microsoft.com/office/drawing/2014/main" id="{B0687EE6-4AFC-B667-739C-97CBC2B92C43}"/>
               </a:ext>
             </a:extLst>
           </p:cNvPr>
@@ -4192,27 +4144,115 @@
           <p:nvPr/>
         </p:nvPicPr>
         <p:blipFill>
-          <a:blip r:embed="rId2">
-            <a:extLst>
-              <a:ext uri="{28A0092B-C50C-407E-A947-70E740481C1C}">
-                <a14:useLocalDpi xmlns:a14="http://schemas.microsoft.com/office/drawing/2010/main" val="0"/>
-              </a:ext>
-            </a:extLst>
-          </a:blip>
+          <a:blip r:embed="rId2"/>
           <a:stretch>
             <a:fillRect/>
           </a:stretch>
         </p:blipFill>
         <p:spPr>
           <a:xfrm>
-            <a:off x="7166584" y="4265451"/>
-            <a:ext cx="1498599" cy="2007333"/>
+            <a:off x="7186747" y="4265451"/>
+            <a:ext cx="1510567" cy="2127560"/>
           </a:xfrm>
           <a:prstGeom prst="rect">
             <a:avLst/>
           </a:prstGeom>
         </p:spPr>
       </p:pic>
+      <p:pic>
+        <p:nvPicPr>
+          <p:cNvPr id="4" name="Imagem 3">
+            <a:extLst>
+              <a:ext uri="{FF2B5EF4-FFF2-40B4-BE49-F238E27FC236}">
+                <a16:creationId xmlns:a16="http://schemas.microsoft.com/office/drawing/2014/main" id="{5C774DF9-FB94-3772-0D3D-9D7388309192}"/>
+              </a:ext>
+            </a:extLst>
+          </p:cNvPr>
+          <p:cNvPicPr>
+            <a:picLocks noChangeAspect="1"/>
+          </p:cNvPicPr>
+          <p:nvPr/>
+        </p:nvPicPr>
+        <p:blipFill>
+          <a:blip r:embed="rId3"/>
+          <a:stretch>
+            <a:fillRect/>
+          </a:stretch>
+        </p:blipFill>
+        <p:spPr>
+          <a:xfrm>
+            <a:off x="2677818" y="4265451"/>
+            <a:ext cx="1536410" cy="2127560"/>
+          </a:xfrm>
+          <a:prstGeom prst="rect">
+            <a:avLst/>
+          </a:prstGeom>
+        </p:spPr>
+      </p:pic>
+      <p:sp>
+        <p:nvSpPr>
+          <p:cNvPr id="2" name="Título 1">
+            <a:extLst>
+              <a:ext uri="{FF2B5EF4-FFF2-40B4-BE49-F238E27FC236}">
+                <a16:creationId xmlns:a16="http://schemas.microsoft.com/office/drawing/2014/main" id="{7A22F98D-FD6D-43DB-953D-F1E5FA74DA8C}"/>
+              </a:ext>
+            </a:extLst>
+          </p:cNvPr>
+          <p:cNvSpPr>
+            <a:spLocks noGrp="1"/>
+          </p:cNvSpPr>
+          <p:nvPr>
+            <p:ph type="title"/>
+          </p:nvPr>
+        </p:nvSpPr>
+        <p:spPr/>
+        <p:txBody>
+          <a:bodyPr/>
+          <a:lstStyle/>
+          <a:p>
+            <a:r>
+              <a:rPr lang="pt-BR" dirty="0"/>
+              <a:t>Contexto Do Problema</a:t>
+            </a:r>
+          </a:p>
+        </p:txBody>
+      </p:sp>
+      <p:sp>
+        <p:nvSpPr>
+          <p:cNvPr id="3" name="Espaço Reservado para Conteúdo 2">
+            <a:extLst>
+              <a:ext uri="{FF2B5EF4-FFF2-40B4-BE49-F238E27FC236}">
+                <a16:creationId xmlns:a16="http://schemas.microsoft.com/office/drawing/2014/main" id="{F5628DC4-D061-4B4E-86C3-0E836CBA65C7}"/>
+              </a:ext>
+            </a:extLst>
+          </p:cNvPr>
+          <p:cNvSpPr>
+            <a:spLocks noGrp="1"/>
+          </p:cNvSpPr>
+          <p:nvPr>
+            <p:ph idx="1"/>
+          </p:nvPr>
+        </p:nvSpPr>
+        <p:spPr/>
+        <p:txBody>
+          <a:bodyPr>
+            <a:normAutofit/>
+          </a:bodyPr>
+          <a:lstStyle/>
+          <a:p>
+            <a:r>
+              <a:rPr lang="pt-BR" sz="2000" dirty="0"/>
+              <a:t>O problema central do tema é o crescente preço dos jogos eletrônicos na atualidade e como isso afeta os seus consumidores</a:t>
+            </a:r>
+          </a:p>
+          <a:p>
+            <a:r>
+              <a:rPr lang="pt-BR" sz="2000" dirty="0"/>
+              <a:t>A cada ano, o consumidor de jogos eletrônicos percebe um reajuste no preço dos games, um reajuste sempre negativo para os mesmos. Se a experiência vale tanto a pena há de haver um meio que todos possam desfrutá-la.</a:t>
+            </a:r>
+          </a:p>
+        </p:txBody>
+      </p:sp>
       <p:sp>
         <p:nvSpPr>
           <p:cNvPr id="11" name="Elipse 10" descr="R$240,00">
@@ -4227,8 +4267,8 @@
         </p:nvSpPr>
         <p:spPr>
           <a:xfrm rot="19729188">
-            <a:off x="7745763" y="5828470"/>
-            <a:ext cx="1299634" cy="372534"/>
+            <a:off x="7907983" y="5970300"/>
+            <a:ext cx="1418642" cy="512320"/>
           </a:xfrm>
           <a:prstGeom prst="ellipse">
             <a:avLst/>
@@ -4260,47 +4300,11 @@
             <a:pPr algn="ctr"/>
             <a:r>
               <a:rPr lang="pt-BR" sz="1400" dirty="0"/>
-              <a:t>R$240,00</a:t>
-            </a:r>
-          </a:p>
-        </p:txBody>
-      </p:sp>
-      <p:pic>
-        <p:nvPicPr>
-          <p:cNvPr id="13" name="Imagem 12">
-            <a:extLst>
-              <a:ext uri="{FF2B5EF4-FFF2-40B4-BE49-F238E27FC236}">
-                <a16:creationId xmlns:a16="http://schemas.microsoft.com/office/drawing/2014/main" id="{2E114289-84E0-4512-B841-9592E2AA0C56}"/>
-              </a:ext>
-            </a:extLst>
-          </p:cNvPr>
-          <p:cNvPicPr>
-            <a:picLocks noChangeAspect="1"/>
-          </p:cNvPicPr>
-          <p:nvPr/>
-        </p:nvPicPr>
-        <p:blipFill>
-          <a:blip r:embed="rId3">
-            <a:extLst>
-              <a:ext uri="{28A0092B-C50C-407E-A947-70E740481C1C}">
-                <a14:useLocalDpi xmlns:a14="http://schemas.microsoft.com/office/drawing/2010/main" val="0"/>
-              </a:ext>
-            </a:extLst>
-          </a:blip>
-          <a:stretch>
-            <a:fillRect/>
-          </a:stretch>
-        </p:blipFill>
-        <p:spPr>
-          <a:xfrm>
-            <a:off x="2717800" y="4272077"/>
-            <a:ext cx="1498599" cy="2000707"/>
-          </a:xfrm>
-          <a:prstGeom prst="rect">
-            <a:avLst/>
-          </a:prstGeom>
-        </p:spPr>
-      </p:pic>
+              <a:t>R$290,00</a:t>
+            </a:r>
+          </a:p>
+        </p:txBody>
+      </p:sp>
       <p:sp>
         <p:nvSpPr>
           <p:cNvPr id="14" name="Elipse 13" descr="R$240,00">
@@ -4315,8 +4319,8 @@
         </p:nvSpPr>
         <p:spPr>
           <a:xfrm rot="19729188">
-            <a:off x="3227465" y="5828468"/>
-            <a:ext cx="1299634" cy="372534"/>
+            <a:off x="3306468" y="5972507"/>
+            <a:ext cx="1351983" cy="507909"/>
           </a:xfrm>
           <a:prstGeom prst="ellipse">
             <a:avLst/>
@@ -4348,7 +4352,7 @@
             <a:pPr algn="ctr"/>
             <a:r>
               <a:rPr lang="pt-BR" sz="1400" dirty="0"/>
-              <a:t>R$150,00</a:t>
+              <a:t>R$279,00</a:t>
             </a:r>
           </a:p>
         </p:txBody>
@@ -4434,18 +4438,14 @@
           </a:xfrm>
         </p:spPr>
         <p:txBody>
-          <a:bodyPr/>
+          <a:bodyPr>
+            <a:normAutofit/>
+          </a:bodyPr>
           <a:lstStyle/>
           <a:p>
             <a:r>
-              <a:rPr lang="pt-BR" dirty="0"/>
+              <a:rPr lang="pt-BR" sz="2000" dirty="0"/>
               <a:t>Por meio de uma plataforma de troca de jogos online, fornecer uma opção mais viável para adquirir games. </a:t>
-            </a:r>
-          </a:p>
-          <a:p>
-            <a:r>
-              <a:rPr lang="pt-BR" dirty="0"/>
-              <a:t>O aumento no preço dos jogos é um problema que afeta a todos os consumidores. Se o preço não for acessível, o público pode optar pela pirataria ou simplesmente desistir dos games. Por isso, o projeto é um auxílio aos jogadores para adquirirem novos jogos por um preço mais justo.</a:t>
             </a:r>
           </a:p>
         </p:txBody>
@@ -4464,8 +4464,8 @@
         </p:nvSpPr>
         <p:spPr>
           <a:xfrm>
-            <a:off x="2224672" y="3870955"/>
-            <a:ext cx="6861783" cy="2946704"/>
+            <a:off x="2224672" y="2837329"/>
+            <a:ext cx="6861783" cy="3263842"/>
           </a:xfrm>
           <a:prstGeom prst="rect">
             <a:avLst/>
@@ -4484,10 +4484,10 @@
               </a:lnSpc>
             </a:pPr>
             <a:r>
-              <a:rPr lang="pt-BR" b="1" dirty="0"/>
+              <a:rPr lang="pt-BR" sz="2000" b="1" dirty="0"/>
               <a:t>Objetivos centrais do projeto:</a:t>
             </a:r>
-            <a:endParaRPr lang="pt-BR" dirty="0"/>
+            <a:endParaRPr lang="pt-BR" sz="2000" dirty="0"/>
           </a:p>
           <a:p>
             <a:pPr>
@@ -4496,7 +4496,7 @@
               </a:lnSpc>
             </a:pPr>
             <a:r>
-              <a:rPr lang="pt-BR" dirty="0"/>
+              <a:rPr lang="pt-BR" sz="2000" dirty="0"/>
               <a:t>• Trazer uma alternativa mais acessível para a obtenção de jogos </a:t>
             </a:r>
           </a:p>
@@ -4507,7 +4507,7 @@
               </a:lnSpc>
             </a:pPr>
             <a:r>
-              <a:rPr lang="pt-BR" dirty="0"/>
+              <a:rPr lang="pt-BR" sz="2000" dirty="0"/>
               <a:t>• Ampliar o acesso aos videogames para todos os grupos econômicos </a:t>
             </a:r>
           </a:p>
@@ -4518,7 +4518,7 @@
               </a:lnSpc>
             </a:pPr>
             <a:r>
-              <a:rPr lang="pt-BR" dirty="0"/>
+              <a:rPr lang="pt-BR" sz="2000" dirty="0"/>
               <a:t>• Fornecer um vasto catálogo de jogos para o consumidor</a:t>
             </a:r>
           </a:p>
@@ -4529,7 +4529,7 @@
               </a:lnSpc>
             </a:pPr>
             <a:r>
-              <a:rPr lang="pt-BR" dirty="0"/>
+              <a:rPr lang="pt-BR" sz="2000" dirty="0"/>
               <a:t>• Utilizar os jogos antigos para obter novos</a:t>
             </a:r>
           </a:p>
@@ -4611,12 +4611,14 @@
         </p:nvSpPr>
         <p:spPr/>
         <p:txBody>
-          <a:bodyPr/>
+          <a:bodyPr>
+            <a:normAutofit/>
+          </a:bodyPr>
           <a:lstStyle/>
           <a:p>
             <a:r>
-              <a:rPr lang="pt-BR" dirty="0"/>
-              <a:t>O público alvo do serviço são jogadores de todas as idades que não possuem renda suficiente para comprar novos títulos.</a:t>
+              <a:rPr lang="pt-BR" sz="2000" dirty="0"/>
+              <a:t>O público alvo do serviço são jogadores de todas as idades que não possuem renda suficiente para comprar novos títulos, ou que não estão dispostos à gastar muito dinheiro com jogos eletrônicos.</a:t>
             </a:r>
           </a:p>
         </p:txBody>
@@ -4636,14 +4638,14 @@
           <p:nvPr>
             <p:extLst>
               <p:ext uri="{D42A27DB-BD31-4B8C-83A1-F6EECF244321}">
-                <p14:modId xmlns:p14="http://schemas.microsoft.com/office/powerpoint/2010/main" val="1935623003"/>
+                <p14:modId xmlns:p14="http://schemas.microsoft.com/office/powerpoint/2010/main" val="1168837486"/>
               </p:ext>
             </p:extLst>
           </p:nvPr>
         </p:nvGraphicFramePr>
         <p:xfrm>
-          <a:off x="1235964" y="2883213"/>
-          <a:ext cx="9720072" cy="3296924"/>
+          <a:off x="1915130" y="3294693"/>
+          <a:ext cx="7288844" cy="2885444"/>
         </p:xfrm>
         <a:graphic>
           <a:graphicData uri="http://schemas.openxmlformats.org/drawingml/2006/table">
@@ -4652,24 +4654,17 @@
                 <a:tableStyleId>{5C22544A-7EE6-4342-B048-85BDC9FD1C3A}</a:tableStyleId>
               </a:tblPr>
               <a:tblGrid>
-                <a:gridCol w="3240024">
+                <a:gridCol w="3644422">
                   <a:extLst>
                     <a:ext uri="{9D8B030D-6E8A-4147-A177-3AD203B41FA5}">
                       <a16:colId xmlns:a16="http://schemas.microsoft.com/office/drawing/2014/main" val="1239416768"/>
                     </a:ext>
                   </a:extLst>
                 </a:gridCol>
-                <a:gridCol w="3240024">
+                <a:gridCol w="3644422">
                   <a:extLst>
                     <a:ext uri="{9D8B030D-6E8A-4147-A177-3AD203B41FA5}">
                       <a16:colId xmlns:a16="http://schemas.microsoft.com/office/drawing/2014/main" val="687247459"/>
-                    </a:ext>
-                  </a:extLst>
-                </a:gridCol>
-                <a:gridCol w="3240024">
-                  <a:extLst>
-                    <a:ext uri="{9D8B030D-6E8A-4147-A177-3AD203B41FA5}">
-                      <a16:colId xmlns:a16="http://schemas.microsoft.com/office/drawing/2014/main" val="2378040073"/>
                     </a:ext>
                   </a:extLst>
                 </a:gridCol>
@@ -4697,21 +4692,7 @@
                       <a:pPr algn="ctr"/>
                       <a:r>
                         <a:rPr lang="pt-BR" dirty="0"/>
-                        <a:t>Persona 2</a:t>
-                      </a:r>
-                    </a:p>
-                  </a:txBody>
-                  <a:tcPr/>
-                </a:tc>
-                <a:tc>
-                  <a:txBody>
-                    <a:bodyPr/>
-                    <a:lstStyle/>
-                    <a:p>
-                      <a:pPr algn="ctr"/>
-                      <a:r>
-                        <a:rPr lang="pt-BR" dirty="0"/>
-                        <a:t>Persona 3</a:t>
+                        <a:t>Estória</a:t>
                       </a:r>
                     </a:p>
                   </a:txBody>
@@ -4736,7 +4717,7 @@
                       </a:pPr>
                       <a:r>
                         <a:rPr lang="pt-BR" dirty="0"/>
-                        <a:t>1 - Gabriel </a:t>
+                        <a:t>Gabriel </a:t>
                       </a:r>
                     </a:p>
                     <a:p>
@@ -4786,92 +4767,24 @@
                         </a:lnSpc>
                       </a:pPr>
                       <a:r>
-                        <a:rPr lang="pt-BR" dirty="0"/>
-                        <a:t>Antônio </a:t>
+                        <a:rPr lang="pt-BR" b="1" dirty="0"/>
+                        <a:t>Eu como Gabriel </a:t>
                       </a:r>
-                    </a:p>
-                    <a:p>
-                      <a:pPr>
-                        <a:lnSpc>
-                          <a:spcPct val="150000"/>
-                        </a:lnSpc>
-                      </a:pPr>
                       <a:r>
-                        <a:rPr lang="pt-BR" dirty="0"/>
-                        <a:t>Idade: 33 </a:t>
+                        <a:rPr lang="pt-BR" b="0" dirty="0"/>
+                        <a:t>desejo adquirir novos jogos sem gastar muito dinheiro, </a:t>
                       </a:r>
-                    </a:p>
-                    <a:p>
-                      <a:pPr>
-                        <a:lnSpc>
-                          <a:spcPct val="150000"/>
-                        </a:lnSpc>
-                      </a:pPr>
                       <a:r>
-                        <a:rPr lang="pt-BR" dirty="0"/>
-                        <a:t>Hobby: Ler </a:t>
+                        <a:rPr lang="pt-BR" b="1" dirty="0"/>
+                        <a:t>porque </a:t>
                       </a:r>
-                    </a:p>
-                    <a:p>
-                      <a:pPr>
-                        <a:lnSpc>
-                          <a:spcPct val="150000"/>
-                        </a:lnSpc>
-                      </a:pPr>
                       <a:r>
-                        <a:rPr lang="pt-BR" dirty="0"/>
-                        <a:t>Trabalho: Professor Personalidade: Tranquilo, Carismático</a:t>
+                        <a:rPr lang="pt-BR" b="0" dirty="0"/>
+                        <a:t>quero acompanhar os lançamentos.</a:t>
                       </a:r>
-                    </a:p>
-                  </a:txBody>
-                  <a:tcPr/>
-                </a:tc>
-                <a:tc>
-                  <a:txBody>
-                    <a:bodyPr/>
-                    <a:lstStyle/>
-                    <a:p>
-                      <a:pPr>
-                        <a:lnSpc>
-                          <a:spcPct val="150000"/>
-                        </a:lnSpc>
-                      </a:pPr>
                       <a:r>
-                        <a:rPr lang="pt-BR" dirty="0"/>
-                        <a:t>Alexandre </a:t>
-                      </a:r>
-                    </a:p>
-                    <a:p>
-                      <a:pPr>
-                        <a:lnSpc>
-                          <a:spcPct val="150000"/>
-                        </a:lnSpc>
-                      </a:pPr>
-                      <a:r>
-                        <a:rPr lang="pt-BR" dirty="0"/>
-                        <a:t>Idade: 24 </a:t>
-                      </a:r>
-                    </a:p>
-                    <a:p>
-                      <a:pPr>
-                        <a:lnSpc>
-                          <a:spcPct val="150000"/>
-                        </a:lnSpc>
-                      </a:pPr>
-                      <a:r>
-                        <a:rPr lang="pt-BR" dirty="0"/>
-                        <a:t>Hobby: Jogar videogame</a:t>
-                      </a:r>
-                    </a:p>
-                    <a:p>
-                      <a:pPr>
-                        <a:lnSpc>
-                          <a:spcPct val="150000"/>
-                        </a:lnSpc>
-                      </a:pPr>
-                      <a:r>
-                        <a:rPr lang="pt-BR" dirty="0"/>
-                        <a:t>Trabalho: Desempregado Personalidade: Tímido, Calmo</a:t>
+                        <a:rPr lang="pt-BR" b="1" dirty="0"/>
+                        <a:t> </a:t>
                       </a:r>
                     </a:p>
                   </a:txBody>
@@ -5069,6 +4982,96 @@
           </a:p>
         </p:txBody>
       </p:sp>
+      <p:pic>
+        <p:nvPicPr>
+          <p:cNvPr id="4" name="Imagem 3">
+            <a:extLst>
+              <a:ext uri="{FF2B5EF4-FFF2-40B4-BE49-F238E27FC236}">
+                <a16:creationId xmlns:a16="http://schemas.microsoft.com/office/drawing/2014/main" id="{8E6C5D09-B140-796B-6718-BE8C9948E57E}"/>
+              </a:ext>
+            </a:extLst>
+          </p:cNvPr>
+          <p:cNvPicPr>
+            <a:picLocks noChangeAspect="1"/>
+          </p:cNvPicPr>
+          <p:nvPr/>
+        </p:nvPicPr>
+        <p:blipFill>
+          <a:blip r:embed="rId2"/>
+          <a:stretch>
+            <a:fillRect/>
+          </a:stretch>
+        </p:blipFill>
+        <p:spPr>
+          <a:xfrm>
+            <a:off x="8328723" y="2877274"/>
+            <a:ext cx="1384766" cy="1384766"/>
+          </a:xfrm>
+          <a:prstGeom prst="rect">
+            <a:avLst/>
+          </a:prstGeom>
+        </p:spPr>
+      </p:pic>
+      <p:pic>
+        <p:nvPicPr>
+          <p:cNvPr id="5" name="Imagem 4">
+            <a:extLst>
+              <a:ext uri="{FF2B5EF4-FFF2-40B4-BE49-F238E27FC236}">
+                <a16:creationId xmlns:a16="http://schemas.microsoft.com/office/drawing/2014/main" id="{D24D0DEF-7E98-F685-0070-00560403F9F1}"/>
+              </a:ext>
+            </a:extLst>
+          </p:cNvPr>
+          <p:cNvPicPr>
+            <a:picLocks noChangeAspect="1"/>
+          </p:cNvPicPr>
+          <p:nvPr/>
+        </p:nvPicPr>
+        <p:blipFill>
+          <a:blip r:embed="rId3"/>
+          <a:stretch>
+            <a:fillRect/>
+          </a:stretch>
+        </p:blipFill>
+        <p:spPr>
+          <a:xfrm>
+            <a:off x="9494806" y="3836917"/>
+            <a:ext cx="1459706" cy="1459706"/>
+          </a:xfrm>
+          <a:prstGeom prst="rect">
+            <a:avLst/>
+          </a:prstGeom>
+        </p:spPr>
+      </p:pic>
+      <p:pic>
+        <p:nvPicPr>
+          <p:cNvPr id="6" name="Imagem 5">
+            <a:extLst>
+              <a:ext uri="{FF2B5EF4-FFF2-40B4-BE49-F238E27FC236}">
+                <a16:creationId xmlns:a16="http://schemas.microsoft.com/office/drawing/2014/main" id="{8194B2AF-8EC8-2120-84A6-CB86A60047A7}"/>
+              </a:ext>
+            </a:extLst>
+          </p:cNvPr>
+          <p:cNvPicPr>
+            <a:picLocks noChangeAspect="1"/>
+          </p:cNvPicPr>
+          <p:nvPr/>
+        </p:nvPicPr>
+        <p:blipFill>
+          <a:blip r:embed="rId4"/>
+          <a:stretch>
+            <a:fillRect/>
+          </a:stretch>
+        </p:blipFill>
+        <p:spPr>
+          <a:xfrm>
+            <a:off x="7930501" y="4638217"/>
+            <a:ext cx="1316812" cy="1316812"/>
+          </a:xfrm>
+          <a:prstGeom prst="rect">
+            <a:avLst/>
+          </a:prstGeom>
+        </p:spPr>
+      </p:pic>
     </p:spTree>
     <p:extLst>
       <p:ext uri="{BB962C8B-B14F-4D97-AF65-F5344CB8AC3E}">
@@ -5104,6 +5107,217 @@
           <p:cNvPr id="2" name="Título 1">
             <a:extLst>
               <a:ext uri="{FF2B5EF4-FFF2-40B4-BE49-F238E27FC236}">
+                <a16:creationId xmlns:a16="http://schemas.microsoft.com/office/drawing/2014/main" id="{0242F398-E6E5-2625-2FF7-016E025C4CBD}"/>
+              </a:ext>
+            </a:extLst>
+          </p:cNvPr>
+          <p:cNvSpPr>
+            <a:spLocks noGrp="1"/>
+          </p:cNvSpPr>
+          <p:nvPr>
+            <p:ph type="title"/>
+          </p:nvPr>
+        </p:nvSpPr>
+        <p:spPr/>
+        <p:txBody>
+          <a:bodyPr/>
+          <a:lstStyle/>
+          <a:p>
+            <a:r>
+              <a:rPr lang="pt-BR" dirty="0"/>
+              <a:t>O objeto JOGO</a:t>
+            </a:r>
+          </a:p>
+        </p:txBody>
+      </p:sp>
+      <p:sp>
+        <p:nvSpPr>
+          <p:cNvPr id="3" name="Espaço Reservado para Conteúdo 2">
+            <a:extLst>
+              <a:ext uri="{FF2B5EF4-FFF2-40B4-BE49-F238E27FC236}">
+                <a16:creationId xmlns:a16="http://schemas.microsoft.com/office/drawing/2014/main" id="{57EB8D21-AABD-0EE7-DF62-0D4655E0A70A}"/>
+              </a:ext>
+            </a:extLst>
+          </p:cNvPr>
+          <p:cNvSpPr>
+            <a:spLocks noGrp="1"/>
+          </p:cNvSpPr>
+          <p:nvPr>
+            <p:ph idx="1"/>
+          </p:nvPr>
+        </p:nvSpPr>
+        <p:spPr>
+          <a:xfrm>
+            <a:off x="1261872" y="1936377"/>
+            <a:ext cx="8595360" cy="4351337"/>
+          </a:xfrm>
+        </p:spPr>
+        <p:txBody>
+          <a:bodyPr>
+            <a:normAutofit/>
+          </a:bodyPr>
+          <a:lstStyle/>
+          <a:p>
+            <a:r>
+              <a:rPr lang="pt-BR" sz="2000" dirty="0"/>
+              <a:t>Para o funcionamento do site foi necessário a criação de um objeto Jogo. Sua estrutura contém informações básicas como nome, plataformas e capa. </a:t>
+            </a:r>
+          </a:p>
+          <a:p>
+            <a:r>
+              <a:rPr lang="pt-BR" sz="2000" dirty="0"/>
+              <a:t>Todas as informações são estáticas, principalmente as ilustrações, que são obtidas pela plataforma </a:t>
+            </a:r>
+            <a:r>
+              <a:rPr lang="pt-BR" sz="2000" dirty="0" err="1"/>
+              <a:t>SteamGridDB</a:t>
+            </a:r>
+            <a:endParaRPr lang="pt-BR" sz="2000" dirty="0"/>
+          </a:p>
+        </p:txBody>
+      </p:sp>
+      <p:pic>
+        <p:nvPicPr>
+          <p:cNvPr id="5" name="Imagem 4">
+            <a:extLst>
+              <a:ext uri="{FF2B5EF4-FFF2-40B4-BE49-F238E27FC236}">
+                <a16:creationId xmlns:a16="http://schemas.microsoft.com/office/drawing/2014/main" id="{F524E9DE-5157-F1F0-187C-CA904F7DD036}"/>
+              </a:ext>
+            </a:extLst>
+          </p:cNvPr>
+          <p:cNvPicPr>
+            <a:picLocks noChangeAspect="1"/>
+          </p:cNvPicPr>
+          <p:nvPr/>
+        </p:nvPicPr>
+        <p:blipFill>
+          <a:blip r:embed="rId2">
+            <a:extLst>
+              <a:ext uri="{28A0092B-C50C-407E-A947-70E740481C1C}">
+                <a14:useLocalDpi xmlns:a14="http://schemas.microsoft.com/office/drawing/2010/main" val="0"/>
+              </a:ext>
+            </a:extLst>
+          </a:blip>
+          <a:stretch>
+            <a:fillRect/>
+          </a:stretch>
+        </p:blipFill>
+        <p:spPr>
+          <a:xfrm>
+            <a:off x="2591528" y="3993776"/>
+            <a:ext cx="5521307" cy="2428408"/>
+          </a:xfrm>
+          <a:prstGeom prst="rect">
+            <a:avLst/>
+          </a:prstGeom>
+        </p:spPr>
+      </p:pic>
+      <p:pic>
+        <p:nvPicPr>
+          <p:cNvPr id="7" name="Imagem 6">
+            <a:extLst>
+              <a:ext uri="{FF2B5EF4-FFF2-40B4-BE49-F238E27FC236}">
+                <a16:creationId xmlns:a16="http://schemas.microsoft.com/office/drawing/2014/main" id="{4EC2E032-92CB-1C7A-30E4-7D792971B6F0}"/>
+              </a:ext>
+            </a:extLst>
+          </p:cNvPr>
+          <p:cNvPicPr>
+            <a:picLocks noChangeAspect="1"/>
+          </p:cNvPicPr>
+          <p:nvPr/>
+        </p:nvPicPr>
+        <p:blipFill>
+          <a:blip r:embed="rId3">
+            <a:extLst>
+              <a:ext uri="{28A0092B-C50C-407E-A947-70E740481C1C}">
+                <a14:useLocalDpi xmlns:a14="http://schemas.microsoft.com/office/drawing/2010/main" val="0"/>
+              </a:ext>
+            </a:extLst>
+          </a:blip>
+          <a:stretch>
+            <a:fillRect/>
+          </a:stretch>
+        </p:blipFill>
+        <p:spPr>
+          <a:xfrm>
+            <a:off x="2708742" y="5042647"/>
+            <a:ext cx="873665" cy="1312302"/>
+          </a:xfrm>
+          <a:prstGeom prst="rect">
+            <a:avLst/>
+          </a:prstGeom>
+        </p:spPr>
+      </p:pic>
+      <p:pic>
+        <p:nvPicPr>
+          <p:cNvPr id="8" name="Imagem 7">
+            <a:extLst>
+              <a:ext uri="{FF2B5EF4-FFF2-40B4-BE49-F238E27FC236}">
+                <a16:creationId xmlns:a16="http://schemas.microsoft.com/office/drawing/2014/main" id="{9EF39DBC-6F41-7BFC-B81B-A0D311F4BA1D}"/>
+              </a:ext>
+            </a:extLst>
+          </p:cNvPr>
+          <p:cNvPicPr>
+            <a:picLocks noChangeAspect="1"/>
+          </p:cNvPicPr>
+          <p:nvPr/>
+        </p:nvPicPr>
+        <p:blipFill>
+          <a:blip r:embed="rId4"/>
+          <a:stretch>
+            <a:fillRect/>
+          </a:stretch>
+        </p:blipFill>
+        <p:spPr>
+          <a:xfrm>
+            <a:off x="7040657" y="5042647"/>
+            <a:ext cx="875962" cy="1312302"/>
+          </a:xfrm>
+          <a:prstGeom prst="rect">
+            <a:avLst/>
+          </a:prstGeom>
+          <a:ln>
+            <a:solidFill>
+              <a:schemeClr val="tx1"/>
+            </a:solidFill>
+          </a:ln>
+        </p:spPr>
+      </p:pic>
+    </p:spTree>
+    <p:extLst>
+      <p:ext uri="{BB962C8B-B14F-4D97-AF65-F5344CB8AC3E}">
+        <p14:creationId xmlns:p14="http://schemas.microsoft.com/office/powerpoint/2010/main" val="2996464877"/>
+      </p:ext>
+    </p:extLst>
+  </p:cSld>
+  <p:clrMapOvr>
+    <a:masterClrMapping/>
+  </p:clrMapOvr>
+</p:sld>
+</file>
+
+<file path=ppt/slides/slide7.xml><?xml version="1.0" encoding="utf-8"?>
+<p:sld xmlns:a="http://schemas.openxmlformats.org/drawingml/2006/main" xmlns:r="http://schemas.openxmlformats.org/officeDocument/2006/relationships" xmlns:p="http://schemas.openxmlformats.org/presentationml/2006/main">
+  <p:cSld>
+    <p:spTree>
+      <p:nvGrpSpPr>
+        <p:cNvPr id="1" name=""/>
+        <p:cNvGrpSpPr/>
+        <p:nvPr/>
+      </p:nvGrpSpPr>
+      <p:grpSpPr>
+        <a:xfrm>
+          <a:off x="0" y="0"/>
+          <a:ext cx="0" cy="0"/>
+          <a:chOff x="0" y="0"/>
+          <a:chExt cx="0" cy="0"/>
+        </a:xfrm>
+      </p:grpSpPr>
+      <p:sp>
+        <p:nvSpPr>
+          <p:cNvPr id="2" name="Título 1">
+            <a:extLst>
+              <a:ext uri="{FF2B5EF4-FFF2-40B4-BE49-F238E27FC236}">
                 <a16:creationId xmlns:a16="http://schemas.microsoft.com/office/drawing/2014/main" id="{65C10FDD-37EC-BA89-88A2-2007FC19006C}"/>
               </a:ext>
             </a:extLst>
@@ -5122,7 +5336,7 @@
           <a:p>
             <a:r>
               <a:rPr lang="pt-BR" dirty="0"/>
-              <a:t>Arquitetura</a:t>
+              <a:t>Arquitetura | Banco de jogos</a:t>
             </a:r>
           </a:p>
         </p:txBody>
@@ -5143,19 +5357,32 @@
             <p:ph idx="1"/>
           </p:nvPr>
         </p:nvSpPr>
-        <p:spPr/>
-        <p:txBody>
-          <a:bodyPr/>
+        <p:spPr>
+          <a:xfrm>
+            <a:off x="1261872" y="1949823"/>
+            <a:ext cx="8595360" cy="4351337"/>
+          </a:xfrm>
+        </p:spPr>
+        <p:txBody>
+          <a:bodyPr>
+            <a:normAutofit/>
+          </a:bodyPr>
           <a:lstStyle/>
           <a:p>
-            <a:endParaRPr lang="pt-BR" dirty="0"/>
+            <a:pPr marL="0" indent="0">
+              <a:buNone/>
+            </a:pPr>
+            <a:r>
+              <a:rPr lang="pt-BR" sz="2000" dirty="0"/>
+              <a:t>Funcionalidade principal:</a:t>
+            </a:r>
           </a:p>
           <a:p>
             <a:pPr marL="0" indent="0" algn="just">
               <a:buNone/>
             </a:pPr>
             <a:r>
-              <a:rPr lang="pt-BR" dirty="0"/>
+              <a:rPr lang="pt-BR" sz="2000" dirty="0"/>
               <a:t>O site carrega os jogos disponíveis de um banco de dados local. A estrutura permite fácil remoção e fácil adição de novos jogos para o sistema.</a:t>
             </a:r>
           </a:p>
@@ -5189,7 +5416,7 @@
         </p:blipFill>
         <p:spPr>
           <a:xfrm>
-            <a:off x="2846909" y="3287338"/>
+            <a:off x="2846909" y="3408361"/>
             <a:ext cx="5425285" cy="2892799"/>
           </a:xfrm>
           <a:prstGeom prst="rect">
@@ -5210,7 +5437,7 @@
 </p:sld>
 </file>
 
-<file path=ppt/slides/slide7.xml><?xml version="1.0" encoding="utf-8"?>
+<file path=ppt/slides/slide8.xml><?xml version="1.0" encoding="utf-8"?>
 <p:sld xmlns:a="http://schemas.openxmlformats.org/drawingml/2006/main" xmlns:r="http://schemas.openxmlformats.org/officeDocument/2006/relationships" xmlns:p="http://schemas.openxmlformats.org/presentationml/2006/main">
   <p:cSld>
     <p:spTree>
@@ -5261,8 +5488,14 @@
               <a:rPr lang="pt-BR" dirty="0"/>
             </a:br>
             <a:r>
+              <a:rPr lang="pt-BR" dirty="0">
+                <a:hlinkClick r:id="rId2"/>
+              </a:rPr>
+              <a:t>https://game-exchange.tuliobrant.repl.co/index.html</a:t>
+            </a:r>
+            <a:r>
               <a:rPr lang="pt-BR" dirty="0"/>
-              <a:t>(Serviço de troca de jogos)</a:t>
+              <a:t> </a:t>
             </a:r>
           </a:p>
         </p:txBody>
@@ -5284,7 +5517,7 @@
           </p:nvPr>
         </p:nvPicPr>
         <p:blipFill>
-          <a:blip r:embed="rId2">
+          <a:blip r:embed="rId3">
             <a:extLst>
               <a:ext uri="{28A0092B-C50C-407E-A947-70E740481C1C}">
                 <a14:useLocalDpi xmlns:a14="http://schemas.microsoft.com/office/drawing/2010/main" val="0"/>
